--- a/img/ind-cca.pptx
+++ b/img/ind-cca.pptx
@@ -151,7 +151,7 @@
       </p14:sectionLst>
     </p:ext>
     <p:ext uri="{EFAFB233-063F-42B5-8137-9DF3F51BA10A}">
-      <p15:sldGuideLst xmlns:p15="http://schemas.microsoft.com/office/powerpoint/2012/main" xmlns="">
+      <p15:sldGuideLst xmlns="" xmlns:p15="http://schemas.microsoft.com/office/powerpoint/2012/main">
         <p15:guide id="1" orient="horz" pos="2160">
           <p15:clr>
             <a:srgbClr val="A4A3A4"/>
@@ -165,7 +165,7 @@
       </p15:sldGuideLst>
     </p:ext>
     <p:ext uri="{2D200454-40CA-4A62-9FC3-DE9A4176ACB9}">
-      <p15:notesGuideLst xmlns:p15="http://schemas.microsoft.com/office/powerpoint/2012/main" xmlns="">
+      <p15:notesGuideLst xmlns="" xmlns:p15="http://schemas.microsoft.com/office/powerpoint/2012/main">
         <p15:guide id="1" orient="horz" pos="3223">
           <p15:clr>
             <a:srgbClr val="A4A3A4"/>
@@ -1960,7 +1960,7 @@
             <p:spPr>
               <a:xfrm>
                 <a:off x="2502024" y="1482578"/>
-                <a:ext cx="1467985" cy="412849"/>
+                <a:ext cx="1296463" cy="366682"/>
               </a:xfrm>
               <a:prstGeom prst="rect">
                 <a:avLst/>
@@ -1980,7 +1980,7 @@
                 <a14:m>
                   <m:oMath xmlns:m="http://schemas.openxmlformats.org/officeDocument/2006/math">
                     <m:r>
-                      <a:rPr lang="en-US" altLang="ja-JP" sz="1200" b="0" i="1" smtClean="0">
+                      <a:rPr lang="en-US" altLang="ja-JP" sz="1050" b="0" i="1" smtClean="0">
                         <a:latin typeface="Cambria Math"/>
                         <a:ea typeface="HG丸ｺﾞｼｯｸM-PRO" panose="020F0600000000000000" pitchFamily="50" charset="-128"/>
                         <a:cs typeface="Courier New" pitchFamily="49" charset="0"/>
@@ -1988,7 +1988,7 @@
                       <m:t>𝑏</m:t>
                     </m:r>
                     <m:r>
-                      <a:rPr lang="en-US" altLang="ja-JP" sz="1200" b="0" i="1" smtClean="0">
+                      <a:rPr lang="en-US" altLang="ja-JP" sz="1050" b="0" i="1" smtClean="0">
                         <a:latin typeface="Cambria Math"/>
                         <a:ea typeface="HG丸ｺﾞｼｯｸM-PRO" panose="020F0600000000000000" pitchFamily="50" charset="-128"/>
                         <a:cs typeface="Courier New" pitchFamily="49" charset="0"/>
@@ -1998,7 +1998,7 @@
                   </m:oMath>
                 </a14:m>
                 <a:r>
-                  <a:rPr lang="ja-JP" altLang="en-US" sz="1200" smtClean="0">
+                  <a:rPr lang="ja-JP" altLang="en-US" sz="1050" smtClean="0">
                     <a:latin typeface="HG丸ｺﾞｼｯｸM-PRO" panose="020F0600000000000000" pitchFamily="50" charset="-128"/>
                     <a:ea typeface="HG丸ｺﾞｼｯｸM-PRO" panose="020F0600000000000000" pitchFamily="50" charset="-128"/>
                     <a:cs typeface="Courier New" pitchFamily="49" charset="0"/>
@@ -2008,7 +2008,7 @@
                 <a14:m>
                   <m:oMath xmlns:m="http://schemas.openxmlformats.org/officeDocument/2006/math">
                     <m:r>
-                      <a:rPr lang="en-US" altLang="ja-JP" sz="1200" b="0" i="1" smtClean="0">
+                      <a:rPr lang="en-US" altLang="ja-JP" sz="1050" b="0" i="1" smtClean="0">
                         <a:latin typeface="Cambria Math"/>
                         <a:ea typeface="HG丸ｺﾞｼｯｸM-PRO" panose="020F0600000000000000" pitchFamily="50" charset="-128"/>
                         <a:cs typeface="Courier New" pitchFamily="49" charset="0"/>
@@ -2018,14 +2018,14 @@
                   </m:oMath>
                 </a14:m>
                 <a:r>
-                  <a:rPr lang="ja-JP" altLang="en-US" sz="1200" smtClean="0">
+                  <a:rPr lang="ja-JP" altLang="en-US" sz="1050" smtClean="0">
                     <a:latin typeface="HG丸ｺﾞｼｯｸM-PRO" panose="020F0600000000000000" pitchFamily="50" charset="-128"/>
                     <a:ea typeface="HG丸ｺﾞｼｯｸM-PRO" panose="020F0600000000000000" pitchFamily="50" charset="-128"/>
                     <a:cs typeface="Courier New" pitchFamily="49" charset="0"/>
                   </a:rPr>
                   <a:t>を選択して</a:t>
                 </a:r>
-                <a:endParaRPr lang="en-US" altLang="ja-JP" sz="1200" smtClean="0">
+                <a:endParaRPr lang="en-US" altLang="ja-JP" sz="1050" smtClean="0">
                   <a:latin typeface="HG丸ｺﾞｼｯｸM-PRO" panose="020F0600000000000000" pitchFamily="50" charset="-128"/>
                   <a:ea typeface="HG丸ｺﾞｼｯｸM-PRO" panose="020F0600000000000000" pitchFamily="50" charset="-128"/>
                   <a:cs typeface="Courier New" pitchFamily="49" charset="0"/>
@@ -2035,7 +2035,7 @@
                 <a14:m>
                   <m:oMath xmlns:m="http://schemas.openxmlformats.org/officeDocument/2006/math">
                     <m:r>
-                      <a:rPr lang="en-US" altLang="ja-JP" sz="1200" b="0" i="1" smtClean="0">
+                      <a:rPr lang="en-US" altLang="ja-JP" sz="1050" b="0" i="1" smtClean="0">
                         <a:latin typeface="Cambria Math"/>
                         <a:ea typeface="HG丸ｺﾞｼｯｸM-PRO" panose="020F0600000000000000" pitchFamily="50" charset="-128"/>
                         <a:cs typeface="Courier New" pitchFamily="49" charset="0"/>
@@ -2043,7 +2043,7 @@
                       <m:t>𝑐</m:t>
                     </m:r>
                     <m:r>
-                      <a:rPr lang="en-US" altLang="ja-JP" sz="1200" b="0" i="1" smtClean="0">
+                      <a:rPr lang="en-US" altLang="ja-JP" sz="1050" b="0" i="1" smtClean="0">
                         <a:latin typeface="Cambria Math"/>
                         <a:ea typeface="HG丸ｺﾞｼｯｸM-PRO" panose="020F0600000000000000" pitchFamily="50" charset="-128"/>
                         <a:cs typeface="Courier New" pitchFamily="49" charset="0"/>
@@ -2051,17 +2051,20 @@
                       <m:t>≔</m:t>
                     </m:r>
                     <m:r>
-                      <a:rPr lang="en-US" altLang="ja-JP" sz="1200" b="0" i="1" smtClean="0">
+                      <m:rPr>
+                        <m:sty m:val="p"/>
+                      </m:rPr>
+                      <a:rPr lang="en-US" altLang="ja-JP" sz="1050" b="0" i="0" smtClean="0">
                         <a:latin typeface="Cambria Math"/>
                         <a:ea typeface="HG丸ｺﾞｼｯｸM-PRO" panose="020F0600000000000000" pitchFamily="50" charset="-128"/>
                         <a:cs typeface="Courier New" pitchFamily="49" charset="0"/>
                       </a:rPr>
-                      <m:t>𝐸𝑛𝑐</m:t>
+                      <m:t>Enc</m:t>
                     </m:r>
                     <m:d>
                       <m:dPr>
                         <m:ctrlPr>
-                          <a:rPr lang="en-US" altLang="ja-JP" sz="1200" b="0" i="1" smtClean="0">
+                          <a:rPr lang="en-US" altLang="ja-JP" sz="1050" b="0" i="1" smtClean="0">
                             <a:latin typeface="Cambria Math"/>
                             <a:ea typeface="HG丸ｺﾞｼｯｸM-PRO" panose="020F0600000000000000" pitchFamily="50" charset="-128"/>
                             <a:cs typeface="Courier New" pitchFamily="49" charset="0"/>
@@ -2072,7 +2075,7 @@
                         <m:sSub>
                           <m:sSubPr>
                             <m:ctrlPr>
-                              <a:rPr lang="en-US" altLang="ja-JP" sz="1200" b="0" i="1" smtClean="0">
+                              <a:rPr lang="en-US" altLang="ja-JP" sz="1050" b="0" i="1" smtClean="0">
                                 <a:latin typeface="Cambria Math"/>
                                 <a:ea typeface="HG丸ｺﾞｼｯｸM-PRO" panose="020F0600000000000000" pitchFamily="50" charset="-128"/>
                                 <a:cs typeface="Courier New" pitchFamily="49" charset="0"/>
@@ -2081,7 +2084,7 @@
                           </m:sSubPr>
                           <m:e>
                             <m:r>
-                              <a:rPr lang="en-US" altLang="ja-JP" sz="1200" b="0" i="1" smtClean="0">
+                              <a:rPr lang="en-US" altLang="ja-JP" sz="1050" b="0" i="1" smtClean="0">
                                 <a:latin typeface="Cambria Math"/>
                                 <a:ea typeface="HG丸ｺﾞｼｯｸM-PRO" panose="020F0600000000000000" pitchFamily="50" charset="-128"/>
                                 <a:cs typeface="Courier New" pitchFamily="49" charset="0"/>
@@ -2091,7 +2094,7 @@
                           </m:e>
                           <m:sub>
                             <m:r>
-                              <a:rPr lang="en-US" altLang="ja-JP" sz="1200" b="0" i="1" smtClean="0">
+                              <a:rPr lang="en-US" altLang="ja-JP" sz="1050" b="0" i="1" smtClean="0">
                                 <a:latin typeface="Cambria Math"/>
                                 <a:ea typeface="HG丸ｺﾞｼｯｸM-PRO" panose="020F0600000000000000" pitchFamily="50" charset="-128"/>
                                 <a:cs typeface="Courier New" pitchFamily="49" charset="0"/>
@@ -2105,14 +2108,14 @@
                   </m:oMath>
                 </a14:m>
                 <a:r>
-                  <a:rPr lang="ja-JP" altLang="en-US" sz="1200" smtClean="0">
+                  <a:rPr lang="ja-JP" altLang="en-US" sz="1050" smtClean="0">
                     <a:latin typeface="HG丸ｺﾞｼｯｸM-PRO" panose="020F0600000000000000" pitchFamily="50" charset="-128"/>
                     <a:ea typeface="HG丸ｺﾞｼｯｸM-PRO" panose="020F0600000000000000" pitchFamily="50" charset="-128"/>
                     <a:cs typeface="Courier New" pitchFamily="49" charset="0"/>
                   </a:rPr>
                   <a:t>を返す</a:t>
                 </a:r>
-                <a:endParaRPr lang="ja-JP" altLang="en-US" sz="1200">
+                <a:endParaRPr lang="ja-JP" altLang="en-US" sz="1050">
                   <a:latin typeface="HG丸ｺﾞｼｯｸM-PRO" panose="020F0600000000000000" pitchFamily="50" charset="-128"/>
                   <a:ea typeface="HG丸ｺﾞｼｯｸM-PRO" panose="020F0600000000000000" pitchFamily="50" charset="-128"/>
                   <a:cs typeface="Courier New" pitchFamily="49" charset="0"/>
@@ -2133,7 +2136,7 @@
             <p:spPr>
               <a:xfrm>
                 <a:off x="2502024" y="1482578"/>
-                <a:ext cx="1467985" cy="412849"/>
+                <a:ext cx="1296463" cy="366682"/>
               </a:xfrm>
               <a:prstGeom prst="rect">
                 <a:avLst/>
@@ -2141,7 +2144,7 @@
               <a:blipFill rotWithShape="1">
                 <a:blip r:embed="rId2"/>
                 <a:stretch>
-                  <a:fillRect l="-830" t="-5882" r="-2905" b="-16176"/>
+                  <a:fillRect l="-469" t="-5000" r="-2347" b="-15000"/>
                 </a:stretch>
               </a:blipFill>
               <a:ln w="19050" cap="rnd">
@@ -2209,7 +2212,7 @@
         <p:spPr>
           <a:xfrm>
             <a:off x="341784" y="549796"/>
-            <a:ext cx="1318136" cy="228183"/>
+            <a:ext cx="1164248" cy="205100"/>
           </a:xfrm>
           <a:prstGeom prst="rect">
             <a:avLst/>
@@ -2229,7 +2232,7 @@
           <a:lstStyle/>
           <a:p>
             <a:r>
-              <a:rPr lang="ja-JP" altLang="en-US" sz="1200" smtClean="0">
+              <a:rPr lang="ja-JP" altLang="en-US" sz="1050" smtClean="0">
                 <a:latin typeface="HG丸ｺﾞｼｯｸM-PRO" panose="020F0600000000000000" pitchFamily="50" charset="-128"/>
                 <a:ea typeface="HG丸ｺﾞｼｯｸM-PRO" panose="020F0600000000000000" pitchFamily="50" charset="-128"/>
                 <a:cs typeface="Courier New" pitchFamily="49" charset="0"/>
@@ -2237,7 +2240,7 @@
               <a:t>盗聴者（</a:t>
             </a:r>
             <a:r>
-              <a:rPr lang="ja-JP" altLang="en-US" sz="1200">
+              <a:rPr lang="ja-JP" altLang="en-US" sz="1050">
                 <a:latin typeface="HG丸ｺﾞｼｯｸM-PRO" panose="020F0600000000000000" pitchFamily="50" charset="-128"/>
                 <a:ea typeface="HG丸ｺﾞｼｯｸM-PRO" panose="020F0600000000000000" pitchFamily="50" charset="-128"/>
                 <a:cs typeface="Courier New" pitchFamily="49" charset="0"/>
@@ -2245,14 +2248,14 @@
               <a:t>攻撃者</a:t>
             </a:r>
             <a:r>
-              <a:rPr lang="ja-JP" altLang="en-US" sz="1200" smtClean="0">
+              <a:rPr lang="ja-JP" altLang="en-US" sz="1050" smtClean="0">
                 <a:latin typeface="HG丸ｺﾞｼｯｸM-PRO" panose="020F0600000000000000" pitchFamily="50" charset="-128"/>
                 <a:ea typeface="HG丸ｺﾞｼｯｸM-PRO" panose="020F0600000000000000" pitchFamily="50" charset="-128"/>
                 <a:cs typeface="Courier New" pitchFamily="49" charset="0"/>
               </a:rPr>
               <a:t>）</a:t>
             </a:r>
-            <a:endParaRPr lang="ja-JP" altLang="en-US" sz="1200">
+            <a:endParaRPr lang="ja-JP" altLang="en-US" sz="1050">
               <a:latin typeface="HG丸ｺﾞｼｯｸM-PRO" panose="020F0600000000000000" pitchFamily="50" charset="-128"/>
               <a:ea typeface="HG丸ｺﾞｼｯｸM-PRO" panose="020F0600000000000000" pitchFamily="50" charset="-128"/>
               <a:cs typeface="Courier New" pitchFamily="49" charset="0"/>
@@ -2307,7 +2310,7 @@
             <p:spPr>
               <a:xfrm>
                 <a:off x="1752921" y="1413892"/>
-                <a:ext cx="593194" cy="228183"/>
+                <a:ext cx="526252" cy="205100"/>
               </a:xfrm>
               <a:prstGeom prst="rect">
                 <a:avLst/>
@@ -2334,7 +2337,7 @@
                       <m:sSub>
                         <m:sSubPr>
                           <m:ctrlPr>
-                            <a:rPr lang="en-US" altLang="ja-JP" sz="1200" b="0" i="1" smtClean="0">
+                            <a:rPr lang="en-US" altLang="ja-JP" sz="1050" b="0" i="1" smtClean="0">
                               <a:latin typeface="Cambria Math"/>
                               <a:ea typeface="HG丸ｺﾞｼｯｸM-PRO" panose="020F0600000000000000" pitchFamily="50" charset="-128"/>
                               <a:cs typeface="Courier New" pitchFamily="49" charset="0"/>
@@ -2343,7 +2346,7 @@
                         </m:sSubPr>
                         <m:e>
                           <m:r>
-                            <a:rPr lang="en-US" altLang="ja-JP" sz="1200" b="0" i="1" smtClean="0">
+                            <a:rPr lang="en-US" altLang="ja-JP" sz="1050" b="0" i="1" smtClean="0">
                               <a:latin typeface="Cambria Math"/>
                               <a:ea typeface="HG丸ｺﾞｼｯｸM-PRO" panose="020F0600000000000000" pitchFamily="50" charset="-128"/>
                               <a:cs typeface="Courier New" pitchFamily="49" charset="0"/>
@@ -2353,7 +2356,7 @@
                         </m:e>
                         <m:sub>
                           <m:r>
-                            <a:rPr lang="en-US" altLang="ja-JP" sz="1200" b="0" i="1" smtClean="0">
+                            <a:rPr lang="en-US" altLang="ja-JP" sz="1050" b="0" i="1" smtClean="0">
                               <a:latin typeface="Cambria Math"/>
                               <a:ea typeface="HG丸ｺﾞｼｯｸM-PRO" panose="020F0600000000000000" pitchFamily="50" charset="-128"/>
                               <a:cs typeface="Courier New" pitchFamily="49" charset="0"/>
@@ -2363,7 +2366,7 @@
                         </m:sub>
                       </m:sSub>
                       <m:r>
-                        <a:rPr lang="en-US" altLang="ja-JP" sz="1200" b="0" i="1" smtClean="0">
+                        <a:rPr lang="en-US" altLang="ja-JP" sz="1050" b="0" i="1" smtClean="0">
                           <a:latin typeface="Cambria Math"/>
                           <a:ea typeface="HG丸ｺﾞｼｯｸM-PRO" panose="020F0600000000000000" pitchFamily="50" charset="-128"/>
                           <a:cs typeface="Courier New" pitchFamily="49" charset="0"/>
@@ -2373,7 +2376,7 @@
                       <m:sSub>
                         <m:sSubPr>
                           <m:ctrlPr>
-                            <a:rPr lang="en-US" altLang="ja-JP" sz="1200" b="0" i="1" smtClean="0">
+                            <a:rPr lang="en-US" altLang="ja-JP" sz="1050" b="0" i="1" smtClean="0">
                               <a:latin typeface="Cambria Math"/>
                               <a:ea typeface="HG丸ｺﾞｼｯｸM-PRO" panose="020F0600000000000000" pitchFamily="50" charset="-128"/>
                               <a:cs typeface="Courier New" pitchFamily="49" charset="0"/>
@@ -2382,7 +2385,7 @@
                         </m:sSubPr>
                         <m:e>
                           <m:r>
-                            <a:rPr lang="en-US" altLang="ja-JP" sz="1200" b="0" i="1" smtClean="0">
+                            <a:rPr lang="en-US" altLang="ja-JP" sz="1050" b="0" i="1" smtClean="0">
                               <a:latin typeface="Cambria Math"/>
                               <a:ea typeface="HG丸ｺﾞｼｯｸM-PRO" panose="020F0600000000000000" pitchFamily="50" charset="-128"/>
                               <a:cs typeface="Courier New" pitchFamily="49" charset="0"/>
@@ -2392,7 +2395,7 @@
                         </m:e>
                         <m:sub>
                           <m:r>
-                            <a:rPr lang="en-US" altLang="ja-JP" sz="1200" b="0" i="1" smtClean="0">
+                            <a:rPr lang="en-US" altLang="ja-JP" sz="1050" b="0" i="1" smtClean="0">
                               <a:latin typeface="Cambria Math"/>
                               <a:ea typeface="HG丸ｺﾞｼｯｸM-PRO" panose="020F0600000000000000" pitchFamily="50" charset="-128"/>
                               <a:cs typeface="Courier New" pitchFamily="49" charset="0"/>
@@ -2404,7 +2407,7 @@
                     </m:oMath>
                   </m:oMathPara>
                 </a14:m>
-                <a:endParaRPr lang="ja-JP" altLang="en-US" sz="1200">
+                <a:endParaRPr lang="ja-JP" altLang="en-US" sz="1050">
                   <a:latin typeface="HG丸ｺﾞｼｯｸM-PRO" panose="020F0600000000000000" pitchFamily="50" charset="-128"/>
                   <a:ea typeface="HG丸ｺﾞｼｯｸM-PRO" panose="020F0600000000000000" pitchFamily="50" charset="-128"/>
                   <a:cs typeface="Courier New" pitchFamily="49" charset="0"/>
@@ -2425,7 +2428,7 @@
             <p:spPr>
               <a:xfrm>
                 <a:off x="1752921" y="1413892"/>
-                <a:ext cx="593194" cy="228183"/>
+                <a:ext cx="526252" cy="205100"/>
               </a:xfrm>
               <a:prstGeom prst="rect">
                 <a:avLst/>
@@ -2433,7 +2436,7 @@
               <a:blipFill rotWithShape="1">
                 <a:blip r:embed="rId3"/>
                 <a:stretch>
-                  <a:fillRect b="-5405"/>
+                  <a:fillRect b="-2941"/>
                 </a:stretch>
               </a:blipFill>
               <a:ln w="19050" cap="rnd">
@@ -2465,7 +2468,7 @@
         <p:spPr>
           <a:xfrm>
             <a:off x="2346115" y="560120"/>
-            <a:ext cx="1779801" cy="228183"/>
+            <a:ext cx="1568204" cy="205100"/>
           </a:xfrm>
           <a:prstGeom prst="rect">
             <a:avLst/>
@@ -2485,7 +2488,7 @@
           <a:lstStyle/>
           <a:p>
             <a:r>
-              <a:rPr lang="ja-JP" altLang="en-US" sz="1200">
+              <a:rPr lang="ja-JP" altLang="en-US" sz="1050">
                 <a:latin typeface="HG丸ｺﾞｼｯｸM-PRO" panose="020F0600000000000000" pitchFamily="50" charset="-128"/>
                 <a:ea typeface="HG丸ｺﾞｼｯｸM-PRO" panose="020F0600000000000000" pitchFamily="50" charset="-128"/>
                 <a:cs typeface="Courier New" pitchFamily="49" charset="0"/>
@@ -2493,14 +2496,14 @@
               <a:t>暗号化する</a:t>
             </a:r>
             <a:r>
-              <a:rPr lang="ja-JP" altLang="en-US" sz="1200" smtClean="0">
+              <a:rPr lang="ja-JP" altLang="en-US" sz="1050" smtClean="0">
                 <a:latin typeface="HG丸ｺﾞｼｯｸM-PRO" panose="020F0600000000000000" pitchFamily="50" charset="-128"/>
                 <a:ea typeface="HG丸ｺﾞｼｯｸM-PRO" panose="020F0600000000000000" pitchFamily="50" charset="-128"/>
                 <a:cs typeface="Courier New" pitchFamily="49" charset="0"/>
               </a:rPr>
               <a:t>人（挑戦者）</a:t>
             </a:r>
-            <a:endParaRPr lang="ja-JP" altLang="en-US" sz="1200">
+            <a:endParaRPr lang="ja-JP" altLang="en-US" sz="1050">
               <a:latin typeface="HG丸ｺﾞｼｯｸM-PRO" panose="020F0600000000000000" pitchFamily="50" charset="-128"/>
               <a:ea typeface="HG丸ｺﾞｼｯｸM-PRO" panose="020F0600000000000000" pitchFamily="50" charset="-128"/>
               <a:cs typeface="Courier New" pitchFamily="49" charset="0"/>
@@ -2517,7 +2520,7 @@
         <p:spPr>
           <a:xfrm>
             <a:off x="341784" y="1442224"/>
-            <a:ext cx="1095319" cy="412849"/>
+            <a:ext cx="970285" cy="366682"/>
           </a:xfrm>
           <a:prstGeom prst="rect">
             <a:avLst/>
@@ -2535,47 +2538,47 @@
           <a:lstStyle/>
           <a:p>
             <a:r>
-              <a:rPr lang="ja-JP" altLang="en-US" sz="1200" b="0" smtClean="0">
+              <a:rPr lang="ja-JP" altLang="en-US" sz="1050" b="0" smtClean="0">
                 <a:ea typeface="HG丸ｺﾞｼｯｸM-PRO" panose="020F0600000000000000" pitchFamily="50" charset="-128"/>
                 <a:cs typeface="Courier New" pitchFamily="49" charset="0"/>
               </a:rPr>
               <a:t>平文を</a:t>
             </a:r>
             <a:r>
-              <a:rPr lang="en-US" altLang="ja-JP" sz="1200" b="0" smtClean="0">
+              <a:rPr lang="en-US" altLang="ja-JP" sz="1050" b="0" smtClean="0">
                 <a:ea typeface="HG丸ｺﾞｼｯｸM-PRO" panose="020F0600000000000000" pitchFamily="50" charset="-128"/>
                 <a:cs typeface="Courier New" pitchFamily="49" charset="0"/>
               </a:rPr>
               <a:t>2</a:t>
             </a:r>
             <a:r>
-              <a:rPr lang="ja-JP" altLang="en-US" sz="1200" b="0" smtClean="0">
+              <a:rPr lang="ja-JP" altLang="en-US" sz="1050" b="0" smtClean="0">
                 <a:ea typeface="HG丸ｺﾞｼｯｸM-PRO" panose="020F0600000000000000" pitchFamily="50" charset="-128"/>
                 <a:cs typeface="Courier New" pitchFamily="49" charset="0"/>
               </a:rPr>
               <a:t>個選び</a:t>
             </a:r>
             <a:r>
-              <a:rPr lang="en-US" altLang="ja-JP" sz="1200" b="0" smtClean="0">
+              <a:rPr lang="en-US" altLang="ja-JP" sz="1050" b="0" smtClean="0">
                 <a:ea typeface="HG丸ｺﾞｼｯｸM-PRO" panose="020F0600000000000000" pitchFamily="50" charset="-128"/>
                 <a:cs typeface="Courier New" pitchFamily="49" charset="0"/>
               </a:rPr>
               <a:t/>
             </a:r>
             <a:br>
-              <a:rPr lang="en-US" altLang="ja-JP" sz="1200" b="0" smtClean="0">
+              <a:rPr lang="en-US" altLang="ja-JP" sz="1050" b="0" smtClean="0">
                 <a:ea typeface="HG丸ｺﾞｼｯｸM-PRO" panose="020F0600000000000000" pitchFamily="50" charset="-128"/>
                 <a:cs typeface="Courier New" pitchFamily="49" charset="0"/>
               </a:rPr>
             </a:br>
             <a:r>
-              <a:rPr lang="ja-JP" altLang="en-US" sz="1200" b="0" smtClean="0">
+              <a:rPr lang="ja-JP" altLang="en-US" sz="1050" b="0" smtClean="0">
                 <a:ea typeface="HG丸ｺﾞｼｯｸM-PRO" panose="020F0600000000000000" pitchFamily="50" charset="-128"/>
                 <a:cs typeface="Courier New" pitchFamily="49" charset="0"/>
               </a:rPr>
               <a:t>送る</a:t>
             </a:r>
-            <a:endParaRPr lang="ja-JP" altLang="en-US" sz="1200">
+            <a:endParaRPr lang="ja-JP" altLang="en-US" sz="1050">
               <a:latin typeface="HG丸ｺﾞｼｯｸM-PRO" panose="020F0600000000000000" pitchFamily="50" charset="-128"/>
               <a:ea typeface="HG丸ｺﾞｼｯｸM-PRO" panose="020F0600000000000000" pitchFamily="50" charset="-128"/>
               <a:cs typeface="Courier New" pitchFamily="49" charset="0"/>
@@ -2594,7 +2597,7 @@
             <p:spPr>
               <a:xfrm>
                 <a:off x="2000261" y="1629916"/>
-                <a:ext cx="213731" cy="228183"/>
+                <a:ext cx="198727" cy="205100"/>
               </a:xfrm>
               <a:prstGeom prst="rect">
                 <a:avLst/>
@@ -2619,7 +2622,7 @@
                     </m:oMathParaPr>
                     <m:oMath xmlns:m="http://schemas.openxmlformats.org/officeDocument/2006/math">
                       <m:r>
-                        <a:rPr lang="en-US" altLang="ja-JP" sz="1200" b="0" i="1" smtClean="0">
+                        <a:rPr lang="en-US" altLang="ja-JP" sz="1050" b="0" i="1" smtClean="0">
                           <a:latin typeface="Cambria Math"/>
                           <a:ea typeface="HG丸ｺﾞｼｯｸM-PRO" panose="020F0600000000000000" pitchFamily="50" charset="-128"/>
                           <a:cs typeface="Courier New" pitchFamily="49" charset="0"/>
@@ -2629,7 +2632,7 @@
                     </m:oMath>
                   </m:oMathPara>
                 </a14:m>
-                <a:endParaRPr lang="ja-JP" altLang="en-US" sz="1200">
+                <a:endParaRPr lang="ja-JP" altLang="en-US" sz="1050">
                   <a:latin typeface="HG丸ｺﾞｼｯｸM-PRO" panose="020F0600000000000000" pitchFamily="50" charset="-128"/>
                   <a:ea typeface="HG丸ｺﾞｼｯｸM-PRO" panose="020F0600000000000000" pitchFamily="50" charset="-128"/>
                   <a:cs typeface="Courier New" pitchFamily="49" charset="0"/>
@@ -2650,7 +2653,7 @@
             <p:spPr>
               <a:xfrm>
                 <a:off x="2000261" y="1629916"/>
-                <a:ext cx="213731" cy="228183"/>
+                <a:ext cx="198727" cy="205100"/>
               </a:xfrm>
               <a:prstGeom prst="rect">
                 <a:avLst/>
@@ -2692,7 +2695,7 @@
             <p:spPr>
               <a:xfrm>
                 <a:off x="341784" y="2553861"/>
-                <a:ext cx="1314097" cy="228183"/>
+                <a:ext cx="1161811" cy="205100"/>
               </a:xfrm>
               <a:prstGeom prst="rect">
                 <a:avLst/>
@@ -2712,7 +2715,7 @@
                 <a14:m>
                   <m:oMath xmlns:m="http://schemas.openxmlformats.org/officeDocument/2006/math">
                     <m:r>
-                      <a:rPr lang="en-US" altLang="ja-JP" sz="1200" b="0" i="1" smtClean="0">
+                      <a:rPr lang="en-US" altLang="ja-JP" sz="1050" b="0" i="1" smtClean="0">
                         <a:latin typeface="Cambria Math"/>
                         <a:ea typeface="HG丸ｺﾞｼｯｸM-PRO" panose="020F0600000000000000" pitchFamily="50" charset="-128"/>
                         <a:cs typeface="Courier New" pitchFamily="49" charset="0"/>
@@ -2720,7 +2723,7 @@
                       <m:t>𝑏</m:t>
                     </m:r>
                     <m:r>
-                      <a:rPr lang="en-US" altLang="ja-JP" sz="1200" b="0" i="1" smtClean="0">
+                      <a:rPr lang="en-US" altLang="ja-JP" sz="1050" b="0" i="1" smtClean="0">
                         <a:latin typeface="Cambria Math"/>
                         <a:ea typeface="HG丸ｺﾞｼｯｸM-PRO" panose="020F0600000000000000" pitchFamily="50" charset="-128"/>
                         <a:cs typeface="Courier New" pitchFamily="49" charset="0"/>
@@ -2730,7 +2733,7 @@
                   </m:oMath>
                 </a14:m>
                 <a:r>
-                  <a:rPr lang="ja-JP" altLang="en-US" sz="1200" smtClean="0">
+                  <a:rPr lang="ja-JP" altLang="en-US" sz="1050" smtClean="0">
                     <a:latin typeface="HG丸ｺﾞｼｯｸM-PRO" panose="020F0600000000000000" pitchFamily="50" charset="-128"/>
                     <a:ea typeface="HG丸ｺﾞｼｯｸM-PRO" panose="020F0600000000000000" pitchFamily="50" charset="-128"/>
                     <a:cs typeface="Courier New" pitchFamily="49" charset="0"/>
@@ -2740,7 +2743,7 @@
                 <a14:m>
                   <m:oMath xmlns:m="http://schemas.openxmlformats.org/officeDocument/2006/math">
                     <m:r>
-                      <a:rPr lang="en-US" altLang="ja-JP" sz="1200" b="0" i="1" smtClean="0">
+                      <a:rPr lang="en-US" altLang="ja-JP" sz="1050" b="0" i="1" smtClean="0">
                         <a:latin typeface="Cambria Math"/>
                         <a:ea typeface="HG丸ｺﾞｼｯｸM-PRO" panose="020F0600000000000000" pitchFamily="50" charset="-128"/>
                         <a:cs typeface="Courier New" pitchFamily="49" charset="0"/>
@@ -2750,14 +2753,14 @@
                   </m:oMath>
                 </a14:m>
                 <a:r>
-                  <a:rPr lang="ja-JP" altLang="en-US" sz="1200" smtClean="0">
+                  <a:rPr lang="ja-JP" altLang="en-US" sz="1050" smtClean="0">
                     <a:latin typeface="HG丸ｺﾞｼｯｸM-PRO" panose="020F0600000000000000" pitchFamily="50" charset="-128"/>
                     <a:ea typeface="HG丸ｺﾞｼｯｸM-PRO" panose="020F0600000000000000" pitchFamily="50" charset="-128"/>
                     <a:cs typeface="Courier New" pitchFamily="49" charset="0"/>
                   </a:rPr>
                   <a:t>を当てる</a:t>
                 </a:r>
-                <a:endParaRPr lang="ja-JP" altLang="en-US" sz="1200">
+                <a:endParaRPr lang="ja-JP" altLang="en-US" sz="1050">
                   <a:latin typeface="HG丸ｺﾞｼｯｸM-PRO" panose="020F0600000000000000" pitchFamily="50" charset="-128"/>
                   <a:ea typeface="HG丸ｺﾞｼｯｸM-PRO" panose="020F0600000000000000" pitchFamily="50" charset="-128"/>
                   <a:cs typeface="Courier New" pitchFamily="49" charset="0"/>
@@ -2778,7 +2781,7 @@
             <p:spPr>
               <a:xfrm>
                 <a:off x="341784" y="2553861"/>
-                <a:ext cx="1314097" cy="228183"/>
+                <a:ext cx="1161811" cy="205100"/>
               </a:xfrm>
               <a:prstGeom prst="rect">
                 <a:avLst/>
@@ -2786,7 +2789,7 @@
               <a:blipFill rotWithShape="1">
                 <a:blip r:embed="rId5"/>
                 <a:stretch>
-                  <a:fillRect l="-926" t="-10811" r="-3241" b="-32432"/>
+                  <a:fillRect l="-524" t="-8824" r="-2618" b="-26471"/>
                 </a:stretch>
               </a:blipFill>
               <a:ln w="19050" cap="rnd">
@@ -2820,7 +2823,7 @@
             <p:spPr>
               <a:xfrm>
                 <a:off x="341784" y="981843"/>
-                <a:ext cx="1281331" cy="412849"/>
+                <a:ext cx="1131418" cy="366682"/>
               </a:xfrm>
               <a:prstGeom prst="rect">
                 <a:avLst/>
@@ -2838,7 +2841,7 @@
               <a:lstStyle/>
               <a:p>
                 <a:r>
-                  <a:rPr lang="ja-JP" altLang="en-US" sz="1200" smtClean="0">
+                  <a:rPr lang="ja-JP" altLang="en-US" sz="1050" smtClean="0">
                     <a:ea typeface="HG丸ｺﾞｼｯｸM-PRO" panose="020F0600000000000000" pitchFamily="50" charset="-128"/>
                     <a:cs typeface="Courier New" pitchFamily="49" charset="0"/>
                   </a:rPr>
@@ -2849,7 +2852,7 @@
                     <m:sSub>
                       <m:sSubPr>
                         <m:ctrlPr>
-                          <a:rPr lang="en-US" altLang="ja-JP" sz="1200" b="0" i="1" smtClean="0">
+                          <a:rPr lang="en-US" altLang="ja-JP" sz="1050" b="0" i="1" smtClean="0">
                             <a:latin typeface="Cambria Math"/>
                             <a:ea typeface="HG丸ｺﾞｼｯｸM-PRO" panose="020F0600000000000000" pitchFamily="50" charset="-128"/>
                             <a:cs typeface="Courier New" pitchFamily="49" charset="0"/>
@@ -2858,7 +2861,7 @@
                       </m:sSubPr>
                       <m:e>
                         <m:r>
-                          <a:rPr lang="en-US" altLang="ja-JP" sz="1200" b="0" i="1" smtClean="0">
+                          <a:rPr lang="en-US" altLang="ja-JP" sz="1050" b="0" i="1" smtClean="0">
                             <a:latin typeface="Cambria Math"/>
                             <a:ea typeface="HG丸ｺﾞｼｯｸM-PRO" panose="020F0600000000000000" pitchFamily="50" charset="-128"/>
                             <a:cs typeface="Courier New" pitchFamily="49" charset="0"/>
@@ -2868,7 +2871,7 @@
                       </m:e>
                       <m:sub>
                         <m:r>
-                          <a:rPr lang="en-US" altLang="ja-JP" sz="1200" b="0" i="1" smtClean="0">
+                          <a:rPr lang="en-US" altLang="ja-JP" sz="1050" b="0" i="1" smtClean="0">
                             <a:latin typeface="Cambria Math"/>
                             <a:ea typeface="HG丸ｺﾞｼｯｸM-PRO" panose="020F0600000000000000" pitchFamily="50" charset="-128"/>
                             <a:cs typeface="Courier New" pitchFamily="49" charset="0"/>
@@ -2880,33 +2883,33 @@
                   </m:oMath>
                 </a14:m>
                 <a:r>
-                  <a:rPr lang="ja-JP" altLang="en-US" sz="1200" b="0" smtClean="0">
+                  <a:rPr lang="ja-JP" altLang="en-US" sz="1050" b="0" smtClean="0">
                     <a:ea typeface="HG丸ｺﾞｼｯｸM-PRO" panose="020F0600000000000000" pitchFamily="50" charset="-128"/>
                     <a:cs typeface="Courier New" pitchFamily="49" charset="0"/>
                   </a:rPr>
                   <a:t>を選んで</a:t>
                 </a:r>
                 <a:r>
-                  <a:rPr lang="en-US" altLang="ja-JP" sz="1200" b="0" smtClean="0">
+                  <a:rPr lang="en-US" altLang="ja-JP" sz="1050" b="0" smtClean="0">
                     <a:ea typeface="HG丸ｺﾞｼｯｸM-PRO" panose="020F0600000000000000" pitchFamily="50" charset="-128"/>
                     <a:cs typeface="Courier New" pitchFamily="49" charset="0"/>
                   </a:rPr>
                   <a:t/>
                 </a:r>
                 <a:br>
-                  <a:rPr lang="en-US" altLang="ja-JP" sz="1200" b="0" smtClean="0">
+                  <a:rPr lang="en-US" altLang="ja-JP" sz="1050" b="0" smtClean="0">
                     <a:ea typeface="HG丸ｺﾞｼｯｸM-PRO" panose="020F0600000000000000" pitchFamily="50" charset="-128"/>
                     <a:cs typeface="Courier New" pitchFamily="49" charset="0"/>
                   </a:rPr>
                 </a:br>
                 <a:r>
-                  <a:rPr lang="ja-JP" altLang="en-US" sz="1200" b="0" smtClean="0">
+                  <a:rPr lang="ja-JP" altLang="en-US" sz="1050" b="0" smtClean="0">
                     <a:ea typeface="HG丸ｺﾞｼｯｸM-PRO" panose="020F0600000000000000" pitchFamily="50" charset="-128"/>
                     <a:cs typeface="Courier New" pitchFamily="49" charset="0"/>
                   </a:rPr>
                   <a:t>送る（複数回）</a:t>
                 </a:r>
-                <a:endParaRPr lang="ja-JP" altLang="en-US" sz="1200">
+                <a:endParaRPr lang="ja-JP" altLang="en-US" sz="1050">
                   <a:latin typeface="HG丸ｺﾞｼｯｸM-PRO" panose="020F0600000000000000" pitchFamily="50" charset="-128"/>
                   <a:ea typeface="HG丸ｺﾞｼｯｸM-PRO" panose="020F0600000000000000" pitchFamily="50" charset="-128"/>
                   <a:cs typeface="Courier New" pitchFamily="49" charset="0"/>
@@ -2927,7 +2930,7 @@
             <p:spPr>
               <a:xfrm>
                 <a:off x="341784" y="981843"/>
-                <a:ext cx="1281331" cy="412849"/>
+                <a:ext cx="1131418" cy="366682"/>
               </a:xfrm>
               <a:prstGeom prst="rect">
                 <a:avLst/>
@@ -2935,7 +2938,7 @@
               <a:blipFill rotWithShape="1">
                 <a:blip r:embed="rId6"/>
                 <a:stretch>
-                  <a:fillRect l="-3810" t="-5882" r="-3333" b="-17647"/>
+                  <a:fillRect l="-3226" t="-5000" r="-3226" b="-16667"/>
                 </a:stretch>
               </a:blipFill>
               <a:ln w="19050" cap="rnd">
@@ -3005,7 +3008,7 @@
             <p:spPr>
               <a:xfrm>
                 <a:off x="1979421" y="837828"/>
-                <a:ext cx="255409" cy="228183"/>
+                <a:ext cx="233737" cy="205100"/>
               </a:xfrm>
               <a:prstGeom prst="rect">
                 <a:avLst/>
@@ -3032,7 +3035,7 @@
                       <m:sSub>
                         <m:sSubPr>
                           <m:ctrlPr>
-                            <a:rPr lang="en-US" altLang="ja-JP" sz="1200" b="0" i="1" smtClean="0">
+                            <a:rPr lang="en-US" altLang="ja-JP" sz="1050" b="0" i="1" smtClean="0">
                               <a:latin typeface="Cambria Math"/>
                               <a:ea typeface="HG丸ｺﾞｼｯｸM-PRO" panose="020F0600000000000000" pitchFamily="50" charset="-128"/>
                               <a:cs typeface="Courier New" pitchFamily="49" charset="0"/>
@@ -3041,7 +3044,7 @@
                         </m:sSubPr>
                         <m:e>
                           <m:r>
-                            <a:rPr lang="en-US" altLang="ja-JP" sz="1200" b="0" i="1" smtClean="0">
+                            <a:rPr lang="en-US" altLang="ja-JP" sz="1050" b="0" i="1" smtClean="0">
                               <a:latin typeface="Cambria Math"/>
                               <a:ea typeface="HG丸ｺﾞｼｯｸM-PRO" panose="020F0600000000000000" pitchFamily="50" charset="-128"/>
                               <a:cs typeface="Courier New" pitchFamily="49" charset="0"/>
@@ -3051,7 +3054,7 @@
                         </m:e>
                         <m:sub>
                           <m:r>
-                            <a:rPr lang="en-US" altLang="ja-JP" sz="1200" b="0" i="1" smtClean="0">
+                            <a:rPr lang="en-US" altLang="ja-JP" sz="1050" b="0" i="1" smtClean="0">
                               <a:latin typeface="Cambria Math"/>
                               <a:ea typeface="HG丸ｺﾞｼｯｸM-PRO" panose="020F0600000000000000" pitchFamily="50" charset="-128"/>
                               <a:cs typeface="Courier New" pitchFamily="49" charset="0"/>
@@ -3063,7 +3066,7 @@
                     </m:oMath>
                   </m:oMathPara>
                 </a14:m>
-                <a:endParaRPr lang="ja-JP" altLang="en-US" sz="1200">
+                <a:endParaRPr lang="ja-JP" altLang="en-US" sz="1050">
                   <a:latin typeface="HG丸ｺﾞｼｯｸM-PRO" panose="020F0600000000000000" pitchFamily="50" charset="-128"/>
                   <a:ea typeface="HG丸ｺﾞｼｯｸM-PRO" panose="020F0600000000000000" pitchFamily="50" charset="-128"/>
                   <a:cs typeface="Courier New" pitchFamily="49" charset="0"/>
@@ -3084,7 +3087,7 @@
             <p:spPr>
               <a:xfrm>
                 <a:off x="1979421" y="837828"/>
-                <a:ext cx="255409" cy="228183"/>
+                <a:ext cx="233737" cy="205100"/>
               </a:xfrm>
               <a:prstGeom prst="rect">
                 <a:avLst/>
@@ -3092,7 +3095,7 @@
               <a:blipFill rotWithShape="1">
                 <a:blip r:embed="rId7"/>
                 <a:stretch>
-                  <a:fillRect b="-5263"/>
+                  <a:fillRect b="-2941"/>
                 </a:stretch>
               </a:blipFill>
               <a:ln w="19050" cap="rnd">
@@ -3162,7 +3165,7 @@
             <p:spPr>
               <a:xfrm>
                 <a:off x="2502024" y="1041693"/>
-                <a:ext cx="1052166" cy="228183"/>
+                <a:ext cx="932133" cy="205100"/>
               </a:xfrm>
               <a:prstGeom prst="rect">
                 <a:avLst/>
@@ -3182,15 +3185,18 @@
                 <a14:m>
                   <m:oMath xmlns:m="http://schemas.openxmlformats.org/officeDocument/2006/math">
                     <m:r>
-                      <a:rPr lang="en-US" altLang="ja-JP" sz="1200" b="0" i="1" smtClean="0">
+                      <m:rPr>
+                        <m:sty m:val="p"/>
+                      </m:rPr>
+                      <a:rPr lang="en-US" altLang="ja-JP" sz="1050" b="0" i="0" smtClean="0">
                         <a:latin typeface="Cambria Math"/>
                         <a:ea typeface="HG丸ｺﾞｼｯｸM-PRO" panose="020F0600000000000000" pitchFamily="50" charset="-128"/>
                         <a:cs typeface="Courier New" pitchFamily="49" charset="0"/>
                       </a:rPr>
-                      <m:t>𝐷𝑒𝑐</m:t>
+                      <m:t>Dec</m:t>
                     </m:r>
                     <m:r>
-                      <a:rPr lang="en-US" altLang="ja-JP" sz="1200" b="0" i="1" smtClean="0">
+                      <a:rPr lang="en-US" altLang="ja-JP" sz="1050" b="0" i="1" smtClean="0">
                         <a:latin typeface="Cambria Math"/>
                         <a:ea typeface="HG丸ｺﾞｼｯｸM-PRO" panose="020F0600000000000000" pitchFamily="50" charset="-128"/>
                         <a:cs typeface="Courier New" pitchFamily="49" charset="0"/>
@@ -3200,7 +3206,7 @@
                     <m:sSub>
                       <m:sSubPr>
                         <m:ctrlPr>
-                          <a:rPr lang="en-US" altLang="ja-JP" sz="1200" b="0" i="1" smtClean="0">
+                          <a:rPr lang="en-US" altLang="ja-JP" sz="1050" b="0" i="1" smtClean="0">
                             <a:latin typeface="Cambria Math"/>
                             <a:ea typeface="HG丸ｺﾞｼｯｸM-PRO" panose="020F0600000000000000" pitchFamily="50" charset="-128"/>
                             <a:cs typeface="Courier New" pitchFamily="49" charset="0"/>
@@ -3209,7 +3215,7 @@
                       </m:sSubPr>
                       <m:e>
                         <m:r>
-                          <a:rPr lang="en-US" altLang="ja-JP" sz="1200" b="0" i="1" smtClean="0">
+                          <a:rPr lang="en-US" altLang="ja-JP" sz="1050" b="0" i="1" smtClean="0">
                             <a:latin typeface="Cambria Math"/>
                             <a:ea typeface="HG丸ｺﾞｼｯｸM-PRO" panose="020F0600000000000000" pitchFamily="50" charset="-128"/>
                             <a:cs typeface="Courier New" pitchFamily="49" charset="0"/>
@@ -3219,7 +3225,7 @@
                       </m:e>
                       <m:sub>
                         <m:r>
-                          <a:rPr lang="en-US" altLang="ja-JP" sz="1200" b="0" i="1" smtClean="0">
+                          <a:rPr lang="en-US" altLang="ja-JP" sz="1050" b="0" i="1" smtClean="0">
                             <a:latin typeface="Cambria Math"/>
                             <a:ea typeface="HG丸ｺﾞｼｯｸM-PRO" panose="020F0600000000000000" pitchFamily="50" charset="-128"/>
                             <a:cs typeface="Courier New" pitchFamily="49" charset="0"/>
@@ -3229,7 +3235,7 @@
                       </m:sub>
                     </m:sSub>
                     <m:r>
-                      <a:rPr lang="en-US" altLang="ja-JP" sz="1200" b="0" i="1" smtClean="0">
+                      <a:rPr lang="en-US" altLang="ja-JP" sz="1050" b="0" i="1" smtClean="0">
                         <a:latin typeface="Cambria Math"/>
                         <a:ea typeface="HG丸ｺﾞｼｯｸM-PRO" panose="020F0600000000000000" pitchFamily="50" charset="-128"/>
                         <a:cs typeface="Courier New" pitchFamily="49" charset="0"/>
@@ -3239,14 +3245,14 @@
                   </m:oMath>
                 </a14:m>
                 <a:r>
-                  <a:rPr lang="ja-JP" altLang="en-US" sz="1200" smtClean="0">
+                  <a:rPr lang="ja-JP" altLang="en-US" sz="1050" smtClean="0">
                     <a:latin typeface="HG丸ｺﾞｼｯｸM-PRO" panose="020F0600000000000000" pitchFamily="50" charset="-128"/>
                     <a:ea typeface="HG丸ｺﾞｼｯｸM-PRO" panose="020F0600000000000000" pitchFamily="50" charset="-128"/>
                     <a:cs typeface="Courier New" pitchFamily="49" charset="0"/>
                   </a:rPr>
                   <a:t>を返す</a:t>
                 </a:r>
-                <a:endParaRPr lang="ja-JP" altLang="en-US" sz="1200">
+                <a:endParaRPr lang="ja-JP" altLang="en-US" sz="1050">
                   <a:latin typeface="HG丸ｺﾞｼｯｸM-PRO" panose="020F0600000000000000" pitchFamily="50" charset="-128"/>
                   <a:ea typeface="HG丸ｺﾞｼｯｸM-PRO" panose="020F0600000000000000" pitchFamily="50" charset="-128"/>
                   <a:cs typeface="Courier New" pitchFamily="49" charset="0"/>
@@ -3267,7 +3273,7 @@
             <p:spPr>
               <a:xfrm>
                 <a:off x="2502024" y="1041693"/>
-                <a:ext cx="1052166" cy="228183"/>
+                <a:ext cx="932133" cy="205100"/>
               </a:xfrm>
               <a:prstGeom prst="rect">
                 <a:avLst/>
@@ -3275,7 +3281,7 @@
               <a:blipFill rotWithShape="1">
                 <a:blip r:embed="rId8"/>
                 <a:stretch>
-                  <a:fillRect l="-578" t="-10811" r="-4046" b="-32432"/>
+                  <a:fillRect t="-8824" r="-2614" b="-26471"/>
                 </a:stretch>
               </a:blipFill>
               <a:ln w="19050" cap="rnd">
@@ -3309,7 +3315,7 @@
             <p:spPr>
               <a:xfrm>
                 <a:off x="341784" y="2009155"/>
-                <a:ext cx="1403800" cy="412849"/>
+                <a:ext cx="1239333" cy="366682"/>
               </a:xfrm>
               <a:prstGeom prst="rect">
                 <a:avLst/>
@@ -3327,7 +3333,7 @@
               <a:lstStyle/>
               <a:p>
                 <a:r>
-                  <a:rPr lang="ja-JP" altLang="en-US" sz="1200" smtClean="0">
+                  <a:rPr lang="ja-JP" altLang="en-US" sz="1050" smtClean="0">
                     <a:ea typeface="HG丸ｺﾞｼｯｸM-PRO" panose="020F0600000000000000" pitchFamily="50" charset="-128"/>
                     <a:cs typeface="Courier New" pitchFamily="49" charset="0"/>
                   </a:rPr>
@@ -3338,7 +3344,7 @@
                     <m:sSub>
                       <m:sSubPr>
                         <m:ctrlPr>
-                          <a:rPr lang="en-US" altLang="ja-JP" sz="1200" b="0" i="1" smtClean="0">
+                          <a:rPr lang="en-US" altLang="ja-JP" sz="1050" b="0" i="1" smtClean="0">
                             <a:latin typeface="Cambria Math"/>
                             <a:ea typeface="HG丸ｺﾞｼｯｸM-PRO" panose="020F0600000000000000" pitchFamily="50" charset="-128"/>
                             <a:cs typeface="Courier New" pitchFamily="49" charset="0"/>
@@ -3347,7 +3353,7 @@
                       </m:sSubPr>
                       <m:e>
                         <m:r>
-                          <a:rPr lang="en-US" altLang="ja-JP" sz="1200" b="0" i="1" smtClean="0">
+                          <a:rPr lang="en-US" altLang="ja-JP" sz="1050" b="0" i="1" smtClean="0">
                             <a:latin typeface="Cambria Math"/>
                             <a:ea typeface="HG丸ｺﾞｼｯｸM-PRO" panose="020F0600000000000000" pitchFamily="50" charset="-128"/>
                             <a:cs typeface="Courier New" pitchFamily="49" charset="0"/>
@@ -3357,7 +3363,7 @@
                       </m:e>
                       <m:sub>
                         <m:r>
-                          <a:rPr lang="en-US" altLang="ja-JP" sz="1200" b="0" i="1" smtClean="0">
+                          <a:rPr lang="en-US" altLang="ja-JP" sz="1050" b="0" i="1" smtClean="0">
                             <a:latin typeface="Cambria Math"/>
                             <a:ea typeface="HG丸ｺﾞｼｯｸM-PRO" panose="020F0600000000000000" pitchFamily="50" charset="-128"/>
                             <a:cs typeface="Courier New" pitchFamily="49" charset="0"/>
@@ -3367,7 +3373,7 @@
                       </m:sub>
                     </m:sSub>
                     <m:r>
-                      <a:rPr lang="en-US" altLang="ja-JP" sz="1200" b="0" i="1" smtClean="0">
+                      <a:rPr lang="en-US" altLang="ja-JP" sz="1050" b="0" i="1" smtClean="0">
                         <a:latin typeface="Cambria Math"/>
                         <a:ea typeface="HG丸ｺﾞｼｯｸM-PRO" panose="020F0600000000000000" pitchFamily="50" charset="-128"/>
                         <a:cs typeface="Courier New" pitchFamily="49" charset="0"/>
@@ -3375,7 +3381,7 @@
                       <m:t>≠</m:t>
                     </m:r>
                     <m:r>
-                      <a:rPr lang="en-US" altLang="ja-JP" sz="1200" b="0" i="1" smtClean="0">
+                      <a:rPr lang="en-US" altLang="ja-JP" sz="1050" b="0" i="1" smtClean="0">
                         <a:latin typeface="Cambria Math"/>
                         <a:ea typeface="HG丸ｺﾞｼｯｸM-PRO" panose="020F0600000000000000" pitchFamily="50" charset="-128"/>
                         <a:cs typeface="Courier New" pitchFamily="49" charset="0"/>
@@ -3385,26 +3391,26 @@
                   </m:oMath>
                 </a14:m>
                 <a:r>
-                  <a:rPr lang="ja-JP" altLang="en-US" sz="1200" b="0" smtClean="0">
+                  <a:rPr lang="ja-JP" altLang="en-US" sz="1050" b="0" smtClean="0">
                     <a:ea typeface="HG丸ｺﾞｼｯｸM-PRO" panose="020F0600000000000000" pitchFamily="50" charset="-128"/>
                     <a:cs typeface="Courier New" pitchFamily="49" charset="0"/>
                   </a:rPr>
                   <a:t>を選び</a:t>
                 </a:r>
-                <a:endParaRPr lang="en-US" altLang="ja-JP" sz="1200" b="0" smtClean="0">
+                <a:endParaRPr lang="en-US" altLang="ja-JP" sz="1050" b="0" smtClean="0">
                   <a:ea typeface="HG丸ｺﾞｼｯｸM-PRO" panose="020F0600000000000000" pitchFamily="50" charset="-128"/>
                   <a:cs typeface="Courier New" pitchFamily="49" charset="0"/>
                 </a:endParaRPr>
               </a:p>
               <a:p>
                 <a:r>
-                  <a:rPr lang="ja-JP" altLang="en-US" sz="1200" b="0" smtClean="0">
+                  <a:rPr lang="ja-JP" altLang="en-US" sz="1050" b="0" smtClean="0">
                     <a:ea typeface="HG丸ｺﾞｼｯｸM-PRO" panose="020F0600000000000000" pitchFamily="50" charset="-128"/>
                     <a:cs typeface="Courier New" pitchFamily="49" charset="0"/>
                   </a:rPr>
                   <a:t>送る（複数回）</a:t>
                 </a:r>
-                <a:endParaRPr lang="ja-JP" altLang="en-US" sz="1200">
+                <a:endParaRPr lang="ja-JP" altLang="en-US" sz="1050">
                   <a:latin typeface="HG丸ｺﾞｼｯｸM-PRO" panose="020F0600000000000000" pitchFamily="50" charset="-128"/>
                   <a:ea typeface="HG丸ｺﾞｼｯｸM-PRO" panose="020F0600000000000000" pitchFamily="50" charset="-128"/>
                   <a:cs typeface="Courier New" pitchFamily="49" charset="0"/>
@@ -3425,7 +3431,7 @@
             <p:spPr>
               <a:xfrm>
                 <a:off x="341784" y="2009155"/>
-                <a:ext cx="1403800" cy="412849"/>
+                <a:ext cx="1239333" cy="366682"/>
               </a:xfrm>
               <a:prstGeom prst="rect">
                 <a:avLst/>
@@ -3433,7 +3439,7 @@
               <a:blipFill rotWithShape="1">
                 <a:blip r:embed="rId9"/>
                 <a:stretch>
-                  <a:fillRect l="-3478" t="-5970" r="-3043" b="-19403"/>
+                  <a:fillRect l="-2956" t="-5000" r="-2956" b="-16667"/>
                 </a:stretch>
               </a:blipFill>
               <a:ln w="19050" cap="rnd">
@@ -3539,7 +3545,7 @@
             <p:spPr>
               <a:xfrm>
                 <a:off x="2494935" y="2069005"/>
-                <a:ext cx="1052166" cy="228183"/>
+                <a:ext cx="932133" cy="205100"/>
               </a:xfrm>
               <a:prstGeom prst="rect">
                 <a:avLst/>
@@ -3559,15 +3565,18 @@
                 <a14:m>
                   <m:oMath xmlns:m="http://schemas.openxmlformats.org/officeDocument/2006/math">
                     <m:r>
-                      <a:rPr lang="en-US" altLang="ja-JP" sz="1200" b="0" i="1" smtClean="0">
+                      <m:rPr>
+                        <m:sty m:val="p"/>
+                      </m:rPr>
+                      <a:rPr lang="en-US" altLang="ja-JP" sz="1050" b="0" i="0" smtClean="0">
                         <a:latin typeface="Cambria Math"/>
                         <a:ea typeface="HG丸ｺﾞｼｯｸM-PRO" panose="020F0600000000000000" pitchFamily="50" charset="-128"/>
                         <a:cs typeface="Courier New" pitchFamily="49" charset="0"/>
                       </a:rPr>
-                      <m:t>𝐷𝑒𝑐</m:t>
+                      <m:t>Dec</m:t>
                     </m:r>
                     <m:r>
-                      <a:rPr lang="en-US" altLang="ja-JP" sz="1200" b="0" i="1" smtClean="0">
+                      <a:rPr lang="en-US" altLang="ja-JP" sz="1050" b="0" i="1" smtClean="0">
                         <a:latin typeface="Cambria Math"/>
                         <a:ea typeface="HG丸ｺﾞｼｯｸM-PRO" panose="020F0600000000000000" pitchFamily="50" charset="-128"/>
                         <a:cs typeface="Courier New" pitchFamily="49" charset="0"/>
@@ -3577,7 +3586,7 @@
                     <m:sSub>
                       <m:sSubPr>
                         <m:ctrlPr>
-                          <a:rPr lang="en-US" altLang="ja-JP" sz="1200" b="0" i="1" smtClean="0">
+                          <a:rPr lang="en-US" altLang="ja-JP" sz="1050" b="0" i="1" smtClean="0">
                             <a:latin typeface="Cambria Math"/>
                             <a:ea typeface="HG丸ｺﾞｼｯｸM-PRO" panose="020F0600000000000000" pitchFamily="50" charset="-128"/>
                             <a:cs typeface="Courier New" pitchFamily="49" charset="0"/>
@@ -3586,7 +3595,7 @@
                       </m:sSubPr>
                       <m:e>
                         <m:r>
-                          <a:rPr lang="en-US" altLang="ja-JP" sz="1200" b="0" i="1" smtClean="0">
+                          <a:rPr lang="en-US" altLang="ja-JP" sz="1050" b="0" i="1" smtClean="0">
                             <a:latin typeface="Cambria Math"/>
                             <a:ea typeface="HG丸ｺﾞｼｯｸM-PRO" panose="020F0600000000000000" pitchFamily="50" charset="-128"/>
                             <a:cs typeface="Courier New" pitchFamily="49" charset="0"/>
@@ -3596,7 +3605,7 @@
                       </m:e>
                       <m:sub>
                         <m:r>
-                          <a:rPr lang="en-US" altLang="ja-JP" sz="1200" b="0" i="1" smtClean="0">
+                          <a:rPr lang="en-US" altLang="ja-JP" sz="1050" b="0" i="1" smtClean="0">
                             <a:latin typeface="Cambria Math"/>
                             <a:ea typeface="HG丸ｺﾞｼｯｸM-PRO" panose="020F0600000000000000" pitchFamily="50" charset="-128"/>
                             <a:cs typeface="Courier New" pitchFamily="49" charset="0"/>
@@ -3606,7 +3615,7 @@
                       </m:sub>
                     </m:sSub>
                     <m:r>
-                      <a:rPr lang="en-US" altLang="ja-JP" sz="1200" b="0" i="1" smtClean="0">
+                      <a:rPr lang="en-US" altLang="ja-JP" sz="1050" b="0" i="1" smtClean="0">
                         <a:latin typeface="Cambria Math"/>
                         <a:ea typeface="HG丸ｺﾞｼｯｸM-PRO" panose="020F0600000000000000" pitchFamily="50" charset="-128"/>
                         <a:cs typeface="Courier New" pitchFamily="49" charset="0"/>
@@ -3616,14 +3625,14 @@
                   </m:oMath>
                 </a14:m>
                 <a:r>
-                  <a:rPr lang="ja-JP" altLang="en-US" sz="1200" smtClean="0">
+                  <a:rPr lang="ja-JP" altLang="en-US" sz="1050" smtClean="0">
                     <a:latin typeface="HG丸ｺﾞｼｯｸM-PRO" panose="020F0600000000000000" pitchFamily="50" charset="-128"/>
                     <a:ea typeface="HG丸ｺﾞｼｯｸM-PRO" panose="020F0600000000000000" pitchFamily="50" charset="-128"/>
                     <a:cs typeface="Courier New" pitchFamily="49" charset="0"/>
                   </a:rPr>
                   <a:t>を返す</a:t>
                 </a:r>
-                <a:endParaRPr lang="ja-JP" altLang="en-US" sz="1200">
+                <a:endParaRPr lang="ja-JP" altLang="en-US" sz="1050">
                   <a:latin typeface="HG丸ｺﾞｼｯｸM-PRO" panose="020F0600000000000000" pitchFamily="50" charset="-128"/>
                   <a:ea typeface="HG丸ｺﾞｼｯｸM-PRO" panose="020F0600000000000000" pitchFamily="50" charset="-128"/>
                   <a:cs typeface="Courier New" pitchFamily="49" charset="0"/>
@@ -3644,7 +3653,7 @@
             <p:spPr>
               <a:xfrm>
                 <a:off x="2494935" y="2069005"/>
-                <a:ext cx="1052166" cy="228183"/>
+                <a:ext cx="932133" cy="205100"/>
               </a:xfrm>
               <a:prstGeom prst="rect">
                 <a:avLst/>
@@ -3652,7 +3661,7 @@
               <a:blipFill rotWithShape="1">
                 <a:blip r:embed="rId10"/>
                 <a:stretch>
-                  <a:fillRect l="-578" t="-10526" r="-4046" b="-28947"/>
+                  <a:fillRect t="-8824" r="-2614" b="-26471"/>
                 </a:stretch>
               </a:blipFill>
               <a:ln w="19050" cap="rnd">
@@ -3718,7 +3727,7 @@
           <a:lstStyle/>
           <a:p>
             <a:pPr algn="ctr"/>
-            <a:endParaRPr kumimoji="1" lang="ja-JP" altLang="en-US"/>
+            <a:endParaRPr kumimoji="1" lang="ja-JP" altLang="en-US" sz="1050"/>
           </a:p>
         </p:txBody>
       </p:sp>
@@ -3765,7 +3774,7 @@
           <a:lstStyle/>
           <a:p>
             <a:pPr algn="ctr"/>
-            <a:endParaRPr kumimoji="1" lang="ja-JP" altLang="en-US"/>
+            <a:endParaRPr kumimoji="1" lang="ja-JP" altLang="en-US" sz="1050"/>
           </a:p>
         </p:txBody>
       </p:sp>
@@ -3778,7 +3787,7 @@
         <p:spPr>
           <a:xfrm>
             <a:off x="3317258" y="837828"/>
-            <a:ext cx="1128982" cy="228183"/>
+            <a:ext cx="1002345" cy="205100"/>
           </a:xfrm>
           <a:prstGeom prst="rect">
             <a:avLst/>
@@ -3800,14 +3809,14 @@
           <a:lstStyle/>
           <a:p>
             <a:r>
-              <a:rPr lang="en-US" altLang="ja-JP" sz="1200" smtClean="0">
+              <a:rPr lang="en-US" altLang="ja-JP" sz="1050" smtClean="0">
                 <a:latin typeface="HG丸ｺﾞｼｯｸM-PRO" panose="020F0600000000000000" pitchFamily="50" charset="-128"/>
                 <a:ea typeface="HG丸ｺﾞｼｯｸM-PRO" panose="020F0600000000000000" pitchFamily="50" charset="-128"/>
                 <a:cs typeface="Courier New" pitchFamily="49" charset="0"/>
               </a:rPr>
               <a:t>CCA1, CCA2</a:t>
             </a:r>
-            <a:endParaRPr lang="ja-JP" altLang="en-US" sz="1200">
+            <a:endParaRPr lang="ja-JP" altLang="en-US" sz="1050">
               <a:latin typeface="HG丸ｺﾞｼｯｸM-PRO" panose="020F0600000000000000" pitchFamily="50" charset="-128"/>
               <a:ea typeface="HG丸ｺﾞｼｯｸM-PRO" panose="020F0600000000000000" pitchFamily="50" charset="-128"/>
               <a:cs typeface="Courier New" pitchFamily="49" charset="0"/>
@@ -3824,7 +3833,7 @@
         <p:spPr>
           <a:xfrm>
             <a:off x="3870176" y="1905789"/>
-            <a:ext cx="566328" cy="228183"/>
+            <a:ext cx="508620" cy="205100"/>
           </a:xfrm>
           <a:prstGeom prst="rect">
             <a:avLst/>
@@ -3846,14 +3855,14 @@
           <a:lstStyle/>
           <a:p>
             <a:r>
-              <a:rPr lang="en-US" altLang="ja-JP" sz="1200" smtClean="0">
+              <a:rPr lang="en-US" altLang="ja-JP" sz="1050" smtClean="0">
                 <a:latin typeface="HG丸ｺﾞｼｯｸM-PRO" panose="020F0600000000000000" pitchFamily="50" charset="-128"/>
                 <a:ea typeface="HG丸ｺﾞｼｯｸM-PRO" panose="020F0600000000000000" pitchFamily="50" charset="-128"/>
                 <a:cs typeface="Courier New" pitchFamily="49" charset="0"/>
               </a:rPr>
               <a:t>CCA2</a:t>
             </a:r>
-            <a:endParaRPr lang="ja-JP" altLang="en-US" sz="1200">
+            <a:endParaRPr lang="ja-JP" altLang="en-US" sz="1050">
               <a:latin typeface="HG丸ｺﾞｼｯｸM-PRO" panose="020F0600000000000000" pitchFamily="50" charset="-128"/>
               <a:ea typeface="HG丸ｺﾞｼｯｸM-PRO" panose="020F0600000000000000" pitchFamily="50" charset="-128"/>
               <a:cs typeface="Courier New" pitchFamily="49" charset="0"/>
